--- a/figures.pptx
+++ b/figures.pptx
@@ -11,6 +11,7 @@
     <p:sldId id="257" r:id="rId5"/>
     <p:sldId id="258" r:id="rId6"/>
     <p:sldId id="263" r:id="rId7"/>
+    <p:sldId id="264" r:id="rId8"/>
   </p:sldIdLst>
   <p:sldSz cx="12192000" cy="6858000"/>
   <p:notesSz cx="6858000" cy="9144000"/>
@@ -264,7 +265,7 @@
           <a:p>
             <a:fld id="{01A1D5D4-4ADD-41F2-9B1B-5126CAC39538}" type="datetimeFigureOut">
               <a:rPr lang="fr-FR" smtClean="0"/>
-              <a:t>17/10/2022</a:t>
+              <a:t>24/10/2022</a:t>
             </a:fld>
             <a:endParaRPr lang="fr-FR"/>
           </a:p>
@@ -462,7 +463,7 @@
           <a:p>
             <a:fld id="{01A1D5D4-4ADD-41F2-9B1B-5126CAC39538}" type="datetimeFigureOut">
               <a:rPr lang="fr-FR" smtClean="0"/>
-              <a:t>17/10/2022</a:t>
+              <a:t>24/10/2022</a:t>
             </a:fld>
             <a:endParaRPr lang="fr-FR"/>
           </a:p>
@@ -670,7 +671,7 @@
           <a:p>
             <a:fld id="{01A1D5D4-4ADD-41F2-9B1B-5126CAC39538}" type="datetimeFigureOut">
               <a:rPr lang="fr-FR" smtClean="0"/>
-              <a:t>17/10/2022</a:t>
+              <a:t>24/10/2022</a:t>
             </a:fld>
             <a:endParaRPr lang="fr-FR"/>
           </a:p>
@@ -868,7 +869,7 @@
           <a:p>
             <a:fld id="{01A1D5D4-4ADD-41F2-9B1B-5126CAC39538}" type="datetimeFigureOut">
               <a:rPr lang="fr-FR" smtClean="0"/>
-              <a:t>17/10/2022</a:t>
+              <a:t>24/10/2022</a:t>
             </a:fld>
             <a:endParaRPr lang="fr-FR"/>
           </a:p>
@@ -1143,7 +1144,7 @@
           <a:p>
             <a:fld id="{01A1D5D4-4ADD-41F2-9B1B-5126CAC39538}" type="datetimeFigureOut">
               <a:rPr lang="fr-FR" smtClean="0"/>
-              <a:t>17/10/2022</a:t>
+              <a:t>24/10/2022</a:t>
             </a:fld>
             <a:endParaRPr lang="fr-FR"/>
           </a:p>
@@ -1408,7 +1409,7 @@
           <a:p>
             <a:fld id="{01A1D5D4-4ADD-41F2-9B1B-5126CAC39538}" type="datetimeFigureOut">
               <a:rPr lang="fr-FR" smtClean="0"/>
-              <a:t>17/10/2022</a:t>
+              <a:t>24/10/2022</a:t>
             </a:fld>
             <a:endParaRPr lang="fr-FR"/>
           </a:p>
@@ -1820,7 +1821,7 @@
           <a:p>
             <a:fld id="{01A1D5D4-4ADD-41F2-9B1B-5126CAC39538}" type="datetimeFigureOut">
               <a:rPr lang="fr-FR" smtClean="0"/>
-              <a:t>17/10/2022</a:t>
+              <a:t>24/10/2022</a:t>
             </a:fld>
             <a:endParaRPr lang="fr-FR"/>
           </a:p>
@@ -1961,7 +1962,7 @@
           <a:p>
             <a:fld id="{01A1D5D4-4ADD-41F2-9B1B-5126CAC39538}" type="datetimeFigureOut">
               <a:rPr lang="fr-FR" smtClean="0"/>
-              <a:t>17/10/2022</a:t>
+              <a:t>24/10/2022</a:t>
             </a:fld>
             <a:endParaRPr lang="fr-FR"/>
           </a:p>
@@ -2074,7 +2075,7 @@
           <a:p>
             <a:fld id="{01A1D5D4-4ADD-41F2-9B1B-5126CAC39538}" type="datetimeFigureOut">
               <a:rPr lang="fr-FR" smtClean="0"/>
-              <a:t>17/10/2022</a:t>
+              <a:t>24/10/2022</a:t>
             </a:fld>
             <a:endParaRPr lang="fr-FR"/>
           </a:p>
@@ -2385,7 +2386,7 @@
           <a:p>
             <a:fld id="{01A1D5D4-4ADD-41F2-9B1B-5126CAC39538}" type="datetimeFigureOut">
               <a:rPr lang="fr-FR" smtClean="0"/>
-              <a:t>17/10/2022</a:t>
+              <a:t>24/10/2022</a:t>
             </a:fld>
             <a:endParaRPr lang="fr-FR"/>
           </a:p>
@@ -2673,7 +2674,7 @@
           <a:p>
             <a:fld id="{01A1D5D4-4ADD-41F2-9B1B-5126CAC39538}" type="datetimeFigureOut">
               <a:rPr lang="fr-FR" smtClean="0"/>
-              <a:t>17/10/2022</a:t>
+              <a:t>24/10/2022</a:t>
             </a:fld>
             <a:endParaRPr lang="fr-FR"/>
           </a:p>
@@ -2914,7 +2915,7 @@
           <a:p>
             <a:fld id="{01A1D5D4-4ADD-41F2-9B1B-5126CAC39538}" type="datetimeFigureOut">
               <a:rPr lang="fr-FR" smtClean="0"/>
-              <a:t>17/10/2022</a:t>
+              <a:t>24/10/2022</a:t>
             </a:fld>
             <a:endParaRPr lang="fr-FR"/>
           </a:p>
@@ -3379,7 +3380,7 @@
             <a:graphicData uri="http://schemas.openxmlformats.org/presentationml/2006/ole">
               <mc:AlternateContent xmlns:mc="http://schemas.openxmlformats.org/markup-compatibility/2006">
                 <mc:Choice xmlns:v="urn:schemas-microsoft-com:vml" Requires="v">
-                  <p:oleObj spid="_x0000_s2069" name="Bitmap Image" r:id="rId3" imgW="7620120" imgH="1428840" progId="PBrush">
+                  <p:oleObj spid="_x0000_s2072" name="Bitmap Image" r:id="rId3" imgW="7620120" imgH="1428840" progId="PBrush">
                     <p:embed/>
                   </p:oleObj>
                 </mc:Choice>
@@ -3528,7 +3529,7 @@
             <a:graphicData uri="http://schemas.openxmlformats.org/presentationml/2006/ole">
               <mc:AlternateContent xmlns:mc="http://schemas.openxmlformats.org/markup-compatibility/2006">
                 <mc:Choice xmlns:v="urn:schemas-microsoft-com:vml" Requires="v">
-                  <p:oleObj spid="_x0000_s2070" name="Bitmap Image" r:id="rId5" imgW="8744040" imgH="1295280" progId="PBrush">
+                  <p:oleObj spid="_x0000_s2073" name="Bitmap Image" r:id="rId5" imgW="8744040" imgH="1295280" progId="PBrush">
                     <p:embed/>
                   </p:oleObj>
                 </mc:Choice>
@@ -3651,7 +3652,7 @@
           <a:graphicData uri="http://schemas.openxmlformats.org/presentationml/2006/ole">
             <mc:AlternateContent xmlns:mc="http://schemas.openxmlformats.org/markup-compatibility/2006">
               <mc:Choice xmlns:v="urn:schemas-microsoft-com:vml" Requires="v">
-                <p:oleObj spid="_x0000_s2071" name="Bitmap Image" r:id="rId7" imgW="7400880" imgH="1428840" progId="PBrush">
+                <p:oleObj spid="_x0000_s2074" name="Bitmap Image" r:id="rId7" imgW="7400880" imgH="1428840" progId="PBrush">
                   <p:embed/>
                 </p:oleObj>
               </mc:Choice>
@@ -3858,7 +3859,7 @@
           <a:graphicData uri="http://schemas.openxmlformats.org/presentationml/2006/ole">
             <mc:AlternateContent xmlns:mc="http://schemas.openxmlformats.org/markup-compatibility/2006">
               <mc:Choice xmlns:v="urn:schemas-microsoft-com:vml" Requires="v">
-                <p:oleObj spid="_x0000_s3080" name="Bitmap Image" r:id="rId3" imgW="16706880" imgH="1800360" progId="PBrush">
+                <p:oleObj spid="_x0000_s3082" name="Bitmap Image" r:id="rId3" imgW="16706880" imgH="1800360" progId="PBrush">
                   <p:embed/>
                 </p:oleObj>
               </mc:Choice>
@@ -3941,7 +3942,7 @@
             <a:graphicData uri="http://schemas.openxmlformats.org/presentationml/2006/ole">
               <mc:AlternateContent xmlns:mc="http://schemas.openxmlformats.org/markup-compatibility/2006">
                 <mc:Choice xmlns:v="urn:schemas-microsoft-com:vml" Requires="v">
-                  <p:oleObj spid="_x0000_s3081" name="Bitmap Image" r:id="rId5" imgW="8744040" imgH="1295280" progId="PBrush">
+                  <p:oleObj spid="_x0000_s3083" name="Bitmap Image" r:id="rId5" imgW="8744040" imgH="1295280" progId="PBrush">
                     <p:embed/>
                   </p:oleObj>
                 </mc:Choice>
@@ -4794,7 +4795,7 @@
             <a:graphicData uri="http://schemas.openxmlformats.org/presentationml/2006/ole">
               <mc:AlternateContent xmlns:mc="http://schemas.openxmlformats.org/markup-compatibility/2006">
                 <mc:Choice xmlns:v="urn:schemas-microsoft-com:vml" Requires="v">
-                  <p:oleObj spid="_x0000_s4099" name="Bitmap Image" r:id="rId4" imgW="8744040" imgH="1295280" progId="PBrush">
+                  <p:oleObj spid="_x0000_s4100" name="Bitmap Image" r:id="rId4" imgW="8744040" imgH="1295280" progId="PBrush">
                     <p:embed/>
                   </p:oleObj>
                 </mc:Choice>
@@ -4899,6 +4900,170 @@
     <p:extLst>
       <p:ext uri="{BB962C8B-B14F-4D97-AF65-F5344CB8AC3E}">
         <p14:creationId xmlns:p14="http://schemas.microsoft.com/office/powerpoint/2010/main" val="1214112589"/>
+      </p:ext>
+    </p:extLst>
+  </p:cSld>
+  <p:clrMapOvr>
+    <a:masterClrMapping/>
+  </p:clrMapOvr>
+</p:sld>
+</file>
+
+<file path=ppt/slides/slide7.xml><?xml version="1.0" encoding="utf-8"?>
+<p:sld xmlns:a="http://schemas.openxmlformats.org/drawingml/2006/main" xmlns:r="http://schemas.openxmlformats.org/officeDocument/2006/relationships" xmlns:p="http://schemas.openxmlformats.org/presentationml/2006/main">
+  <p:cSld>
+    <p:spTree>
+      <p:nvGrpSpPr>
+        <p:cNvPr id="1" name=""/>
+        <p:cNvGrpSpPr/>
+        <p:nvPr/>
+      </p:nvGrpSpPr>
+      <p:grpSpPr>
+        <a:xfrm>
+          <a:off x="0" y="0"/>
+          <a:ext cx="0" cy="0"/>
+          <a:chOff x="0" y="0"/>
+          <a:chExt cx="0" cy="0"/>
+        </a:xfrm>
+      </p:grpSpPr>
+      <p:sp>
+        <p:nvSpPr>
+          <p:cNvPr id="2" name="Titre 1">
+            <a:extLst>
+              <a:ext uri="{FF2B5EF4-FFF2-40B4-BE49-F238E27FC236}">
+                <a16:creationId xmlns:a16="http://schemas.microsoft.com/office/drawing/2014/main" id="{494E527F-EA2E-4B76-811A-9E5585330208}"/>
+              </a:ext>
+            </a:extLst>
+          </p:cNvPr>
+          <p:cNvSpPr>
+            <a:spLocks noGrp="1"/>
+          </p:cNvSpPr>
+          <p:nvPr>
+            <p:ph type="title"/>
+          </p:nvPr>
+        </p:nvSpPr>
+        <p:spPr/>
+        <p:txBody>
+          <a:bodyPr/>
+          <a:lstStyle/>
+          <a:p>
+            <a:endParaRPr lang="fr-FR"/>
+          </a:p>
+        </p:txBody>
+      </p:sp>
+      <p:grpSp>
+        <p:nvGrpSpPr>
+          <p:cNvPr id="12" name="Groupe 11">
+            <a:extLst>
+              <a:ext uri="{FF2B5EF4-FFF2-40B4-BE49-F238E27FC236}">
+                <a16:creationId xmlns:a16="http://schemas.microsoft.com/office/drawing/2014/main" id="{B0C41D06-942E-4EF6-8360-09C83D24E6BB}"/>
+              </a:ext>
+            </a:extLst>
+          </p:cNvPr>
+          <p:cNvGrpSpPr/>
+          <p:nvPr/>
+        </p:nvGrpSpPr>
+        <p:grpSpPr>
+          <a:xfrm>
+            <a:off x="608834" y="2806174"/>
+            <a:ext cx="10974332" cy="2457793"/>
+            <a:chOff x="533401" y="2902841"/>
+            <a:chExt cx="10974332" cy="2457793"/>
+          </a:xfrm>
+        </p:grpSpPr>
+        <p:pic>
+          <p:nvPicPr>
+            <p:cNvPr id="9" name="Image 8">
+              <a:extLst>
+                <a:ext uri="{FF2B5EF4-FFF2-40B4-BE49-F238E27FC236}">
+                  <a16:creationId xmlns:a16="http://schemas.microsoft.com/office/drawing/2014/main" id="{AB879D70-C174-429C-860D-954AD75A68AF}"/>
+                </a:ext>
+              </a:extLst>
+            </p:cNvPr>
+            <p:cNvPicPr>
+              <a:picLocks noChangeAspect="1"/>
+            </p:cNvPicPr>
+            <p:nvPr/>
+          </p:nvPicPr>
+          <p:blipFill>
+            <a:blip r:embed="rId2">
+              <a:extLst>
+                <a:ext uri="{28A0092B-C50C-407E-A947-70E740481C1C}">
+                  <a14:useLocalDpi xmlns:a14="http://schemas.microsoft.com/office/drawing/2010/main" val="0"/>
+                </a:ext>
+              </a:extLst>
+            </a:blip>
+            <a:stretch>
+              <a:fillRect/>
+            </a:stretch>
+          </p:blipFill>
+          <p:spPr>
+            <a:xfrm>
+              <a:off x="533401" y="2902841"/>
+              <a:ext cx="10974332" cy="2457793"/>
+            </a:xfrm>
+            <a:prstGeom prst="rect">
+              <a:avLst/>
+            </a:prstGeom>
+          </p:spPr>
+        </p:pic>
+        <p:sp>
+          <p:nvSpPr>
+            <p:cNvPr id="6" name="Rectangle 5">
+              <a:extLst>
+                <a:ext uri="{FF2B5EF4-FFF2-40B4-BE49-F238E27FC236}">
+                  <a16:creationId xmlns:a16="http://schemas.microsoft.com/office/drawing/2014/main" id="{3AF25A66-3E8B-4703-B2DC-A6F444AFBE7A}"/>
+                </a:ext>
+              </a:extLst>
+            </p:cNvPr>
+            <p:cNvSpPr/>
+            <p:nvPr/>
+          </p:nvSpPr>
+          <p:spPr>
+            <a:xfrm>
+              <a:off x="11108266" y="3191934"/>
+              <a:ext cx="374066" cy="237066"/>
+            </a:xfrm>
+            <a:prstGeom prst="rect">
+              <a:avLst/>
+            </a:prstGeom>
+            <a:noFill/>
+            <a:ln w="28575">
+              <a:solidFill>
+                <a:srgbClr val="FF0000"/>
+              </a:solidFill>
+            </a:ln>
+          </p:spPr>
+          <p:style>
+            <a:lnRef idx="2">
+              <a:schemeClr val="accent1">
+                <a:shade val="50000"/>
+              </a:schemeClr>
+            </a:lnRef>
+            <a:fillRef idx="1">
+              <a:schemeClr val="accent1"/>
+            </a:fillRef>
+            <a:effectRef idx="0">
+              <a:schemeClr val="accent1"/>
+            </a:effectRef>
+            <a:fontRef idx="minor">
+              <a:schemeClr val="lt1"/>
+            </a:fontRef>
+          </p:style>
+          <p:txBody>
+            <a:bodyPr rtlCol="0" anchor="ctr"/>
+            <a:lstStyle/>
+            <a:p>
+              <a:pPr algn="ctr"/>
+              <a:endParaRPr lang="fr-FR"/>
+            </a:p>
+          </p:txBody>
+        </p:sp>
+      </p:grpSp>
+    </p:spTree>
+    <p:extLst>
+      <p:ext uri="{BB962C8B-B14F-4D97-AF65-F5344CB8AC3E}">
+        <p14:creationId xmlns:p14="http://schemas.microsoft.com/office/powerpoint/2010/main" val="3812297282"/>
       </p:ext>
     </p:extLst>
   </p:cSld>
